--- a/_book/plot/sinepharm-survey-type-piechart-1.pptx
+++ b/_book/plot/sinepharm-survey-type-piechart-1.pptx
@@ -6707,7 +6707,7 @@
               <a:avLst/>
             </a:prstGeom>
             <a:solidFill>
-              <a:srgbClr val="F8766D">
+              <a:srgbClr val="619CFF">
                 <a:alpha val="100000"/>
               </a:srgbClr>
             </a:solidFill>
@@ -6777,7 +6777,7 @@
               <a:avLst/>
             </a:prstGeom>
             <a:solidFill>
-              <a:srgbClr val="619CFF">
+              <a:srgbClr val="F8766D">
                 <a:alpha val="100000"/>
               </a:srgbClr>
             </a:solidFill>
@@ -6838,7 +6838,7 @@
                   <a:latin typeface="Arial"/>
                   <a:cs typeface="Arial"/>
                 </a:rPr>
-                <a:t>医院</a:t>
+                <a:t>药店</a:t>
               </a:r>
             </a:p>
           </p:txBody>
@@ -6930,7 +6930,7 @@
                   <a:latin typeface="Arial"/>
                   <a:cs typeface="Arial"/>
                 </a:rPr>
-                <a:t>药店</a:t>
+                <a:t>医院</a:t>
               </a:r>
             </a:p>
           </p:txBody>
